--- a/MEMUGScotland-Resources/Slides/2023/18-April/18-April.pptx
+++ b/MEMUGScotland-Resources/Slides/2023/18-April/18-April.pptx
@@ -11,9 +11,8 @@
     <p:sldId id="266" r:id="rId5"/>
     <p:sldId id="263" r:id="rId6"/>
     <p:sldId id="264" r:id="rId7"/>
-    <p:sldId id="261" r:id="rId8"/>
-    <p:sldId id="262" r:id="rId9"/>
-    <p:sldId id="265" r:id="rId10"/>
+    <p:sldId id="262" r:id="rId8"/>
+    <p:sldId id="265" r:id="rId9"/>
   </p:sldIdLst>
   <p:sldSz cx="12192000" cy="6858000"/>
   <p:notesSz cx="6858000" cy="9144000"/>
@@ -269,7 +268,7 @@
           <a:p>
             <a:fld id="{A90A183C-727B-435F-ADBC-0E3F935DCCBE}" type="datetimeFigureOut">
               <a:rPr lang="en-GB" smtClean="0"/>
-              <a:t>03/04/2023</a:t>
+              <a:t>18/04/2023</a:t>
             </a:fld>
             <a:endParaRPr lang="en-GB"/>
           </a:p>
@@ -469,7 +468,7 @@
           <a:p>
             <a:fld id="{A90A183C-727B-435F-ADBC-0E3F935DCCBE}" type="datetimeFigureOut">
               <a:rPr lang="en-GB" smtClean="0"/>
-              <a:t>03/04/2023</a:t>
+              <a:t>18/04/2023</a:t>
             </a:fld>
             <a:endParaRPr lang="en-GB"/>
           </a:p>
@@ -679,7 +678,7 @@
           <a:p>
             <a:fld id="{A90A183C-727B-435F-ADBC-0E3F935DCCBE}" type="datetimeFigureOut">
               <a:rPr lang="en-GB" smtClean="0"/>
-              <a:t>03/04/2023</a:t>
+              <a:t>18/04/2023</a:t>
             </a:fld>
             <a:endParaRPr lang="en-GB"/>
           </a:p>
@@ -879,7 +878,7 @@
           <a:p>
             <a:fld id="{A90A183C-727B-435F-ADBC-0E3F935DCCBE}" type="datetimeFigureOut">
               <a:rPr lang="en-GB" smtClean="0"/>
-              <a:t>03/04/2023</a:t>
+              <a:t>18/04/2023</a:t>
             </a:fld>
             <a:endParaRPr lang="en-GB"/>
           </a:p>
@@ -1155,7 +1154,7 @@
           <a:p>
             <a:fld id="{A90A183C-727B-435F-ADBC-0E3F935DCCBE}" type="datetimeFigureOut">
               <a:rPr lang="en-GB" smtClean="0"/>
-              <a:t>03/04/2023</a:t>
+              <a:t>18/04/2023</a:t>
             </a:fld>
             <a:endParaRPr lang="en-GB"/>
           </a:p>
@@ -1423,7 +1422,7 @@
           <a:p>
             <a:fld id="{A90A183C-727B-435F-ADBC-0E3F935DCCBE}" type="datetimeFigureOut">
               <a:rPr lang="en-GB" smtClean="0"/>
-              <a:t>03/04/2023</a:t>
+              <a:t>18/04/2023</a:t>
             </a:fld>
             <a:endParaRPr lang="en-GB"/>
           </a:p>
@@ -1838,7 +1837,7 @@
           <a:p>
             <a:fld id="{A90A183C-727B-435F-ADBC-0E3F935DCCBE}" type="datetimeFigureOut">
               <a:rPr lang="en-GB" smtClean="0"/>
-              <a:t>03/04/2023</a:t>
+              <a:t>18/04/2023</a:t>
             </a:fld>
             <a:endParaRPr lang="en-GB"/>
           </a:p>
@@ -1980,7 +1979,7 @@
           <a:p>
             <a:fld id="{A90A183C-727B-435F-ADBC-0E3F935DCCBE}" type="datetimeFigureOut">
               <a:rPr lang="en-GB" smtClean="0"/>
-              <a:t>03/04/2023</a:t>
+              <a:t>18/04/2023</a:t>
             </a:fld>
             <a:endParaRPr lang="en-GB"/>
           </a:p>
@@ -2093,7 +2092,7 @@
           <a:p>
             <a:fld id="{A90A183C-727B-435F-ADBC-0E3F935DCCBE}" type="datetimeFigureOut">
               <a:rPr lang="en-GB" smtClean="0"/>
-              <a:t>03/04/2023</a:t>
+              <a:t>18/04/2023</a:t>
             </a:fld>
             <a:endParaRPr lang="en-GB"/>
           </a:p>
@@ -2406,7 +2405,7 @@
           <a:p>
             <a:fld id="{A90A183C-727B-435F-ADBC-0E3F935DCCBE}" type="datetimeFigureOut">
               <a:rPr lang="en-GB" smtClean="0"/>
-              <a:t>03/04/2023</a:t>
+              <a:t>18/04/2023</a:t>
             </a:fld>
             <a:endParaRPr lang="en-GB"/>
           </a:p>
@@ -2695,7 +2694,7 @@
           <a:p>
             <a:fld id="{A90A183C-727B-435F-ADBC-0E3F935DCCBE}" type="datetimeFigureOut">
               <a:rPr lang="en-GB" smtClean="0"/>
-              <a:t>03/04/2023</a:t>
+              <a:t>18/04/2023</a:t>
             </a:fld>
             <a:endParaRPr lang="en-GB"/>
           </a:p>
@@ -2938,7 +2937,7 @@
           <a:p>
             <a:fld id="{A90A183C-727B-435F-ADBC-0E3F935DCCBE}" type="datetimeFigureOut">
               <a:rPr lang="en-GB" smtClean="0"/>
-              <a:t>03/04/2023</a:t>
+              <a:t>18/04/2023</a:t>
             </a:fld>
             <a:endParaRPr lang="en-GB"/>
           </a:p>
@@ -3610,6 +3609,42 @@
           </a:p>
         </p:txBody>
       </p:sp>
+      <p:pic>
+        <p:nvPicPr>
+          <p:cNvPr id="10" name="Picture 9">
+            <a:extLst>
+              <a:ext uri="{FF2B5EF4-FFF2-40B4-BE49-F238E27FC236}">
+                <a16:creationId xmlns:a16="http://schemas.microsoft.com/office/drawing/2014/main" id="{A3FBF922-E3EE-2E7C-DB4B-24D5F9CC7BBD}"/>
+              </a:ext>
+            </a:extLst>
+          </p:cNvPr>
+          <p:cNvPicPr>
+            <a:picLocks noChangeAspect="1"/>
+          </p:cNvPicPr>
+          <p:nvPr/>
+        </p:nvPicPr>
+        <p:blipFill>
+          <a:blip r:embed="rId5">
+            <a:extLst>
+              <a:ext uri="{28A0092B-C50C-407E-A947-70E740481C1C}">
+                <a14:useLocalDpi xmlns:a14="http://schemas.microsoft.com/office/drawing/2010/main" val="0"/>
+              </a:ext>
+            </a:extLst>
+          </a:blip>
+          <a:stretch>
+            <a:fillRect/>
+          </a:stretch>
+        </p:blipFill>
+        <p:spPr>
+          <a:xfrm>
+            <a:off x="0" y="1190862"/>
+            <a:ext cx="3575619" cy="3575619"/>
+          </a:xfrm>
+          <a:prstGeom prst="rect">
+            <a:avLst/>
+          </a:prstGeom>
+        </p:spPr>
+      </p:pic>
     </p:spTree>
     <p:extLst>
       <p:ext uri="{BB962C8B-B14F-4D97-AF65-F5344CB8AC3E}">
@@ -3814,6 +3849,42 @@
           <a:xfrm>
             <a:off x="7064918" y="1786846"/>
             <a:ext cx="4539794" cy="2437583"/>
+          </a:xfrm>
+          <a:prstGeom prst="rect">
+            <a:avLst/>
+          </a:prstGeom>
+        </p:spPr>
+      </p:pic>
+      <p:pic>
+        <p:nvPicPr>
+          <p:cNvPr id="3" name="Picture 2">
+            <a:extLst>
+              <a:ext uri="{FF2B5EF4-FFF2-40B4-BE49-F238E27FC236}">
+                <a16:creationId xmlns:a16="http://schemas.microsoft.com/office/drawing/2014/main" id="{5150C742-D904-7349-F863-936DAEF11985}"/>
+              </a:ext>
+            </a:extLst>
+          </p:cNvPr>
+          <p:cNvPicPr>
+            <a:picLocks noChangeAspect="1"/>
+          </p:cNvPicPr>
+          <p:nvPr/>
+        </p:nvPicPr>
+        <p:blipFill>
+          <a:blip r:embed="rId5">
+            <a:extLst>
+              <a:ext uri="{28A0092B-C50C-407E-A947-70E740481C1C}">
+                <a14:useLocalDpi xmlns:a14="http://schemas.microsoft.com/office/drawing/2010/main" val="0"/>
+              </a:ext>
+            </a:extLst>
+          </a:blip>
+          <a:stretch>
+            <a:fillRect/>
+          </a:stretch>
+        </p:blipFill>
+        <p:spPr>
+          <a:xfrm>
+            <a:off x="10496412" y="-138272"/>
+            <a:ext cx="1834539" cy="1834539"/>
           </a:xfrm>
           <a:prstGeom prst="rect">
             <a:avLst/>
@@ -4002,6 +4073,42 @@
           </a:fontRef>
         </p:style>
       </p:cxnSp>
+      <p:pic>
+        <p:nvPicPr>
+          <p:cNvPr id="7" name="Picture 6">
+            <a:extLst>
+              <a:ext uri="{FF2B5EF4-FFF2-40B4-BE49-F238E27FC236}">
+                <a16:creationId xmlns:a16="http://schemas.microsoft.com/office/drawing/2014/main" id="{983BE778-519E-81A7-7476-468C7C0C1D80}"/>
+              </a:ext>
+            </a:extLst>
+          </p:cNvPr>
+          <p:cNvPicPr>
+            <a:picLocks noChangeAspect="1"/>
+          </p:cNvPicPr>
+          <p:nvPr/>
+        </p:nvPicPr>
+        <p:blipFill>
+          <a:blip r:embed="rId3">
+            <a:extLst>
+              <a:ext uri="{28A0092B-C50C-407E-A947-70E740481C1C}">
+                <a14:useLocalDpi xmlns:a14="http://schemas.microsoft.com/office/drawing/2010/main" val="0"/>
+              </a:ext>
+            </a:extLst>
+          </a:blip>
+          <a:stretch>
+            <a:fillRect/>
+          </a:stretch>
+        </p:blipFill>
+        <p:spPr>
+          <a:xfrm>
+            <a:off x="10496412" y="-138272"/>
+            <a:ext cx="1834539" cy="1834539"/>
+          </a:xfrm>
+          <a:prstGeom prst="rect">
+            <a:avLst/>
+          </a:prstGeom>
+        </p:spPr>
+      </p:pic>
     </p:spTree>
     <p:extLst>
       <p:ext uri="{BB962C8B-B14F-4D97-AF65-F5344CB8AC3E}">
@@ -4215,6 +4322,42 @@
           </a:fontRef>
         </p:style>
       </p:cxnSp>
+      <p:pic>
+        <p:nvPicPr>
+          <p:cNvPr id="4" name="Picture 3">
+            <a:extLst>
+              <a:ext uri="{FF2B5EF4-FFF2-40B4-BE49-F238E27FC236}">
+                <a16:creationId xmlns:a16="http://schemas.microsoft.com/office/drawing/2014/main" id="{B2F30518-A573-3027-CC54-E7B31A3DAA71}"/>
+              </a:ext>
+            </a:extLst>
+          </p:cNvPr>
+          <p:cNvPicPr>
+            <a:picLocks noChangeAspect="1"/>
+          </p:cNvPicPr>
+          <p:nvPr/>
+        </p:nvPicPr>
+        <p:blipFill>
+          <a:blip r:embed="rId3">
+            <a:extLst>
+              <a:ext uri="{28A0092B-C50C-407E-A947-70E740481C1C}">
+                <a14:useLocalDpi xmlns:a14="http://schemas.microsoft.com/office/drawing/2010/main" val="0"/>
+              </a:ext>
+            </a:extLst>
+          </a:blip>
+          <a:stretch>
+            <a:fillRect/>
+          </a:stretch>
+        </p:blipFill>
+        <p:spPr>
+          <a:xfrm>
+            <a:off x="10496412" y="-138272"/>
+            <a:ext cx="1834539" cy="1834539"/>
+          </a:xfrm>
+          <a:prstGeom prst="rect">
+            <a:avLst/>
+          </a:prstGeom>
+        </p:spPr>
+      </p:pic>
     </p:spTree>
     <p:extLst>
       <p:ext uri="{BB962C8B-B14F-4D97-AF65-F5344CB8AC3E}">
@@ -4389,6 +4532,42 @@
           </a:fontRef>
         </p:style>
       </p:cxnSp>
+      <p:pic>
+        <p:nvPicPr>
+          <p:cNvPr id="3" name="Picture 2">
+            <a:extLst>
+              <a:ext uri="{FF2B5EF4-FFF2-40B4-BE49-F238E27FC236}">
+                <a16:creationId xmlns:a16="http://schemas.microsoft.com/office/drawing/2014/main" id="{548C70AE-985D-6ED7-15C2-871756B419D0}"/>
+              </a:ext>
+            </a:extLst>
+          </p:cNvPr>
+          <p:cNvPicPr>
+            <a:picLocks noChangeAspect="1"/>
+          </p:cNvPicPr>
+          <p:nvPr/>
+        </p:nvPicPr>
+        <p:blipFill>
+          <a:blip r:embed="rId3">
+            <a:extLst>
+              <a:ext uri="{28A0092B-C50C-407E-A947-70E740481C1C}">
+                <a14:useLocalDpi xmlns:a14="http://schemas.microsoft.com/office/drawing/2010/main" val="0"/>
+              </a:ext>
+            </a:extLst>
+          </a:blip>
+          <a:stretch>
+            <a:fillRect/>
+          </a:stretch>
+        </p:blipFill>
+        <p:spPr>
+          <a:xfrm>
+            <a:off x="10496412" y="-138272"/>
+            <a:ext cx="1834539" cy="1834539"/>
+          </a:xfrm>
+          <a:prstGeom prst="rect">
+            <a:avLst/>
+          </a:prstGeom>
+        </p:spPr>
+      </p:pic>
     </p:spTree>
     <p:extLst>
       <p:ext uri="{BB962C8B-B14F-4D97-AF65-F5344CB8AC3E}">
@@ -4435,8 +4614,8 @@
         </p:nvSpPr>
         <p:spPr>
           <a:xfrm>
-            <a:off x="131311" y="1061502"/>
-            <a:ext cx="5567740" cy="1484818"/>
+            <a:off x="131311" y="1106704"/>
+            <a:ext cx="5567740" cy="1794346"/>
           </a:xfrm>
           <a:prstGeom prst="rect">
             <a:avLst/>
@@ -4444,7 +4623,7 @@
         </p:spPr>
         <p:txBody>
           <a:bodyPr vert="horz" lIns="91440" tIns="45720" rIns="91440" bIns="45720" rtlCol="0">
-            <a:normAutofit/>
+            <a:normAutofit fontScale="92500" lnSpcReduction="10000"/>
           </a:bodyPr>
           <a:lstStyle>
             <a:lvl1pPr marL="0" indent="0" algn="ctr" defTabSz="914400" rtl="0" eaLnBrk="1" latinLnBrk="0" hangingPunct="1">
@@ -4621,7 +4800,21 @@
             <a:pPr algn="l"/>
             <a:r>
               <a:rPr lang="en-GB" sz="2800" dirty="0"/>
-              <a:t>Microsoft MVP in Enterprise Mobility        TBC @SCCMentor</a:t>
+              <a:t>Microsoft MVP in Enterprise Mobility</a:t>
+            </a:r>
+          </a:p>
+          <a:p>
+            <a:pPr algn="l"/>
+            <a:r>
+              <a:rPr lang="en-GB" sz="2800" dirty="0"/>
+              <a:t>Conditional Access  </a:t>
+            </a:r>
+          </a:p>
+          <a:p>
+            <a:pPr algn="l"/>
+            <a:r>
+              <a:rPr lang="en-GB" sz="2800" dirty="0"/>
+              <a:t>        @SCCMentor</a:t>
             </a:r>
           </a:p>
           <a:p>
@@ -4693,7 +4886,7 @@
         </p:blipFill>
         <p:spPr>
           <a:xfrm>
-            <a:off x="237289" y="1964066"/>
+            <a:off x="205205" y="2396468"/>
             <a:ext cx="577614" cy="497291"/>
           </a:xfrm>
           <a:prstGeom prst="rect">
@@ -4790,8 +4983,8 @@
         </p:nvSpPr>
         <p:spPr>
           <a:xfrm>
-            <a:off x="6651652" y="1074231"/>
-            <a:ext cx="5198552" cy="1484818"/>
+            <a:off x="6009255" y="1106114"/>
+            <a:ext cx="5198552" cy="1826819"/>
           </a:xfrm>
           <a:prstGeom prst="rect">
             <a:avLst/>
@@ -4799,7 +4992,7 @@
         </p:spPr>
         <p:txBody>
           <a:bodyPr vert="horz" lIns="91440" tIns="45720" rIns="91440" bIns="45720" rtlCol="0">
-            <a:normAutofit lnSpcReduction="10000"/>
+            <a:normAutofit fontScale="92500" lnSpcReduction="10000"/>
           </a:bodyPr>
           <a:lstStyle>
             <a:lvl1pPr marL="0" indent="0" algn="ctr" defTabSz="914400" rtl="0" eaLnBrk="1" latinLnBrk="0" hangingPunct="1">
@@ -4969,21 +5162,28 @@
             <a:pPr algn="l"/>
             <a:r>
               <a:rPr lang="en-GB" sz="2800" dirty="0"/>
-              <a:t>TBC</a:t>
+              <a:t>TBA</a:t>
             </a:r>
           </a:p>
           <a:p>
             <a:pPr algn="l"/>
             <a:r>
               <a:rPr lang="en-GB" sz="2800" dirty="0"/>
-              <a:t>TBC</a:t>
+              <a:t>TBA</a:t>
             </a:r>
           </a:p>
           <a:p>
             <a:pPr algn="l"/>
             <a:r>
               <a:rPr lang="en-GB" sz="2800" dirty="0"/>
-              <a:t>        TBC</a:t>
+              <a:t>TBA</a:t>
+            </a:r>
+          </a:p>
+          <a:p>
+            <a:pPr algn="l"/>
+            <a:r>
+              <a:rPr lang="en-GB" sz="2800" dirty="0"/>
+              <a:t>        @TBA</a:t>
             </a:r>
           </a:p>
           <a:p>
@@ -5020,8 +5220,114 @@
         </p:blipFill>
         <p:spPr>
           <a:xfrm>
-            <a:off x="6735957" y="2061758"/>
+            <a:off x="6096000" y="2396467"/>
             <a:ext cx="577614" cy="497291"/>
+          </a:xfrm>
+          <a:prstGeom prst="rect">
+            <a:avLst/>
+          </a:prstGeom>
+        </p:spPr>
+      </p:pic>
+      <p:pic>
+        <p:nvPicPr>
+          <p:cNvPr id="3" name="Picture 2">
+            <a:extLst>
+              <a:ext uri="{FF2B5EF4-FFF2-40B4-BE49-F238E27FC236}">
+                <a16:creationId xmlns:a16="http://schemas.microsoft.com/office/drawing/2014/main" id="{0EC81775-FD38-AB42-9FCB-4924AA549BE8}"/>
+              </a:ext>
+            </a:extLst>
+          </p:cNvPr>
+          <p:cNvPicPr>
+            <a:picLocks noChangeAspect="1"/>
+          </p:cNvPicPr>
+          <p:nvPr/>
+        </p:nvPicPr>
+        <p:blipFill>
+          <a:blip r:embed="rId4">
+            <a:extLst>
+              <a:ext uri="{28A0092B-C50C-407E-A947-70E740481C1C}">
+                <a14:useLocalDpi xmlns:a14="http://schemas.microsoft.com/office/drawing/2010/main" val="0"/>
+              </a:ext>
+            </a:extLst>
+          </a:blip>
+          <a:srcRect/>
+          <a:stretch/>
+        </p:blipFill>
+        <p:spPr>
+          <a:xfrm>
+            <a:off x="2437546" y="2230738"/>
+            <a:ext cx="3020079" cy="3020079"/>
+          </a:xfrm>
+          <a:prstGeom prst="ellipse">
+            <a:avLst/>
+          </a:prstGeom>
+        </p:spPr>
+      </p:pic>
+      <p:pic>
+        <p:nvPicPr>
+          <p:cNvPr id="4" name="Picture 3">
+            <a:extLst>
+              <a:ext uri="{FF2B5EF4-FFF2-40B4-BE49-F238E27FC236}">
+                <a16:creationId xmlns:a16="http://schemas.microsoft.com/office/drawing/2014/main" id="{2CC8815B-B820-5A38-DE54-07FD8497BD29}"/>
+              </a:ext>
+            </a:extLst>
+          </p:cNvPr>
+          <p:cNvPicPr>
+            <a:picLocks noChangeAspect="1"/>
+          </p:cNvPicPr>
+          <p:nvPr/>
+        </p:nvPicPr>
+        <p:blipFill>
+          <a:blip r:embed="rId5">
+            <a:extLst>
+              <a:ext uri="{28A0092B-C50C-407E-A947-70E740481C1C}">
+                <a14:useLocalDpi xmlns:a14="http://schemas.microsoft.com/office/drawing/2010/main" val="0"/>
+              </a:ext>
+            </a:extLst>
+          </a:blip>
+          <a:srcRect/>
+          <a:stretch/>
+        </p:blipFill>
+        <p:spPr>
+          <a:xfrm>
+            <a:off x="8693967" y="2396468"/>
+            <a:ext cx="3020079" cy="3020079"/>
+          </a:xfrm>
+          <a:prstGeom prst="ellipse">
+            <a:avLst/>
+          </a:prstGeom>
+        </p:spPr>
+      </p:pic>
+      <p:pic>
+        <p:nvPicPr>
+          <p:cNvPr id="5" name="Picture 4">
+            <a:extLst>
+              <a:ext uri="{FF2B5EF4-FFF2-40B4-BE49-F238E27FC236}">
+                <a16:creationId xmlns:a16="http://schemas.microsoft.com/office/drawing/2014/main" id="{B015668A-B3D3-7945-E6A8-8BCA14F9D9A4}"/>
+              </a:ext>
+            </a:extLst>
+          </p:cNvPr>
+          <p:cNvPicPr>
+            <a:picLocks noChangeAspect="1"/>
+          </p:cNvPicPr>
+          <p:nvPr/>
+        </p:nvPicPr>
+        <p:blipFill>
+          <a:blip r:embed="rId6">
+            <a:extLst>
+              <a:ext uri="{28A0092B-C50C-407E-A947-70E740481C1C}">
+                <a14:useLocalDpi xmlns:a14="http://schemas.microsoft.com/office/drawing/2010/main" val="0"/>
+              </a:ext>
+            </a:extLst>
+          </a:blip>
+          <a:stretch>
+            <a:fillRect/>
+          </a:stretch>
+        </p:blipFill>
+        <p:spPr>
+          <a:xfrm>
+            <a:off x="10496412" y="-138272"/>
+            <a:ext cx="1834539" cy="1834539"/>
           </a:xfrm>
           <a:prstGeom prst="rect">
             <a:avLst/>
@@ -5060,10 +5366,10 @@
       </p:grpSpPr>
       <p:pic>
         <p:nvPicPr>
-          <p:cNvPr id="5" name="Picture 4">
-            <a:extLst>
-              <a:ext uri="{FF2B5EF4-FFF2-40B4-BE49-F238E27FC236}">
-                <a16:creationId xmlns:a16="http://schemas.microsoft.com/office/drawing/2014/main" id="{E40E6607-F466-08A6-3875-4AC215A5AA95}"/>
+          <p:cNvPr id="4" name="Picture 3">
+            <a:extLst>
+              <a:ext uri="{FF2B5EF4-FFF2-40B4-BE49-F238E27FC236}">
+                <a16:creationId xmlns:a16="http://schemas.microsoft.com/office/drawing/2014/main" id="{C0686241-19E0-A641-C3ED-7A63DE0D069F}"/>
               </a:ext>
             </a:extLst>
           </p:cNvPr>
@@ -5072,7 +5378,7 @@
           </p:cNvPicPr>
           <p:nvPr/>
         </p:nvPicPr>
-        <p:blipFill rotWithShape="1">
+        <p:blipFill>
           <a:blip r:embed="rId2">
             <a:extLst>
               <a:ext uri="{28A0092B-C50C-407E-A947-70E740481C1C}">
@@ -5080,13 +5386,13 @@
               </a:ext>
             </a:extLst>
           </a:blip>
-          <a:srcRect t="1384" b="430"/>
+          <a:srcRect/>
           <a:stretch/>
         </p:blipFill>
         <p:spPr>
           <a:xfrm>
-            <a:off x="2921594" y="1964066"/>
-            <a:ext cx="2083025" cy="2639887"/>
+            <a:off x="2137884" y="2096640"/>
+            <a:ext cx="3020079" cy="3020079"/>
           </a:xfrm>
           <a:prstGeom prst="ellipse">
             <a:avLst/>
@@ -5095,10 +5401,191 @@
       </p:pic>
       <p:sp>
         <p:nvSpPr>
-          <p:cNvPr id="6" name="Subtitle 2">
-            <a:extLst>
-              <a:ext uri="{FF2B5EF4-FFF2-40B4-BE49-F238E27FC236}">
-                <a16:creationId xmlns:a16="http://schemas.microsoft.com/office/drawing/2014/main" id="{8291C73A-4E78-0EF7-61B5-72D388B74354}"/>
+          <p:cNvPr id="2" name="Title 1">
+            <a:extLst>
+              <a:ext uri="{FF2B5EF4-FFF2-40B4-BE49-F238E27FC236}">
+                <a16:creationId xmlns:a16="http://schemas.microsoft.com/office/drawing/2014/main" id="{7D8FF21A-6765-249B-8C49-13E398B0EDED}"/>
+              </a:ext>
+            </a:extLst>
+          </p:cNvPr>
+          <p:cNvSpPr>
+            <a:spLocks noGrp="1"/>
+          </p:cNvSpPr>
+          <p:nvPr>
+            <p:ph type="ctrTitle"/>
+          </p:nvPr>
+        </p:nvSpPr>
+        <p:spPr>
+          <a:xfrm>
+            <a:off x="0" y="28674"/>
+            <a:ext cx="2952750" cy="944976"/>
+          </a:xfrm>
+        </p:spPr>
+        <p:txBody>
+          <a:bodyPr>
+            <a:normAutofit fontScale="90000"/>
+          </a:bodyPr>
+          <a:lstStyle/>
+          <a:p>
+            <a:r>
+              <a:rPr lang="en-GB" dirty="0"/>
+              <a:t>Session 1</a:t>
+            </a:r>
+          </a:p>
+        </p:txBody>
+      </p:sp>
+      <p:pic>
+        <p:nvPicPr>
+          <p:cNvPr id="10" name="Picture 9" descr="A cityscape at night&#10;&#10;Description automatically generated with low confidence">
+            <a:extLst>
+              <a:ext uri="{FF2B5EF4-FFF2-40B4-BE49-F238E27FC236}">
+                <a16:creationId xmlns:a16="http://schemas.microsoft.com/office/drawing/2014/main" id="{83D814D0-28DE-F058-782E-49E8DB205115}"/>
+              </a:ext>
+            </a:extLst>
+          </p:cNvPr>
+          <p:cNvPicPr>
+            <a:picLocks noChangeAspect="1"/>
+          </p:cNvPicPr>
+          <p:nvPr/>
+        </p:nvPicPr>
+        <p:blipFill>
+          <a:blip r:embed="rId3">
+            <a:extLst>
+              <a:ext uri="{28A0092B-C50C-407E-A947-70E740481C1C}">
+                <a14:useLocalDpi xmlns:a14="http://schemas.microsoft.com/office/drawing/2010/main" val="0"/>
+              </a:ext>
+            </a:extLst>
+          </a:blip>
+          <a:stretch>
+            <a:fillRect/>
+          </a:stretch>
+        </p:blipFill>
+        <p:spPr>
+          <a:xfrm>
+            <a:off x="0" y="3956950"/>
+            <a:ext cx="12192000" cy="3131820"/>
+          </a:xfrm>
+          <a:prstGeom prst="rect">
+            <a:avLst/>
+          </a:prstGeom>
+        </p:spPr>
+      </p:pic>
+      <p:cxnSp>
+        <p:nvCxnSpPr>
+          <p:cNvPr id="3" name="Straight Connector 2">
+            <a:extLst>
+              <a:ext uri="{FF2B5EF4-FFF2-40B4-BE49-F238E27FC236}">
+                <a16:creationId xmlns:a16="http://schemas.microsoft.com/office/drawing/2014/main" id="{02AD35D9-7CEA-A835-A034-D2962D1EC856}"/>
+              </a:ext>
+            </a:extLst>
+          </p:cNvPr>
+          <p:cNvCxnSpPr/>
+          <p:nvPr/>
+        </p:nvCxnSpPr>
+        <p:spPr>
+          <a:xfrm flipV="1">
+            <a:off x="131311" y="874355"/>
+            <a:ext cx="11755889" cy="11442"/>
+          </a:xfrm>
+          <a:prstGeom prst="line">
+            <a:avLst/>
+          </a:prstGeom>
+          <a:ln w="25400"/>
+        </p:spPr>
+        <p:style>
+          <a:lnRef idx="1">
+            <a:schemeClr val="dk1"/>
+          </a:lnRef>
+          <a:fillRef idx="0">
+            <a:schemeClr val="dk1"/>
+          </a:fillRef>
+          <a:effectRef idx="0">
+            <a:schemeClr val="dk1"/>
+          </a:effectRef>
+          <a:fontRef idx="minor">
+            <a:schemeClr val="tx1"/>
+          </a:fontRef>
+        </p:style>
+      </p:cxnSp>
+      <p:pic>
+        <p:nvPicPr>
+          <p:cNvPr id="14" name="Picture 13" descr="A cityscape at night&#10;&#10;Description automatically generated with low confidence">
+            <a:extLst>
+              <a:ext uri="{FF2B5EF4-FFF2-40B4-BE49-F238E27FC236}">
+                <a16:creationId xmlns:a16="http://schemas.microsoft.com/office/drawing/2014/main" id="{44ED5A40-3BD2-A5AA-DA8A-912B4F2F3DED}"/>
+              </a:ext>
+            </a:extLst>
+          </p:cNvPr>
+          <p:cNvPicPr>
+            <a:picLocks noChangeAspect="1"/>
+          </p:cNvPicPr>
+          <p:nvPr/>
+        </p:nvPicPr>
+        <p:blipFill>
+          <a:blip r:embed="rId3">
+            <a:extLst>
+              <a:ext uri="{28A0092B-C50C-407E-A947-70E740481C1C}">
+                <a14:useLocalDpi xmlns:a14="http://schemas.microsoft.com/office/drawing/2010/main" val="0"/>
+              </a:ext>
+            </a:extLst>
+          </a:blip>
+          <a:stretch>
+            <a:fillRect/>
+          </a:stretch>
+        </p:blipFill>
+        <p:spPr>
+          <a:xfrm>
+            <a:off x="0" y="3956950"/>
+            <a:ext cx="12192000" cy="3131820"/>
+          </a:xfrm>
+          <a:prstGeom prst="rect">
+            <a:avLst/>
+          </a:prstGeom>
+        </p:spPr>
+      </p:pic>
+      <p:cxnSp>
+        <p:nvCxnSpPr>
+          <p:cNvPr id="15" name="Straight Connector 14">
+            <a:extLst>
+              <a:ext uri="{FF2B5EF4-FFF2-40B4-BE49-F238E27FC236}">
+                <a16:creationId xmlns:a16="http://schemas.microsoft.com/office/drawing/2014/main" id="{C783110D-04A3-15F5-CDDB-808E29823E34}"/>
+              </a:ext>
+            </a:extLst>
+          </p:cNvPr>
+          <p:cNvCxnSpPr/>
+          <p:nvPr/>
+        </p:nvCxnSpPr>
+        <p:spPr>
+          <a:xfrm flipV="1">
+            <a:off x="131311" y="874355"/>
+            <a:ext cx="11755889" cy="11442"/>
+          </a:xfrm>
+          <a:prstGeom prst="line">
+            <a:avLst/>
+          </a:prstGeom>
+          <a:ln w="25400"/>
+        </p:spPr>
+        <p:style>
+          <a:lnRef idx="1">
+            <a:schemeClr val="dk1"/>
+          </a:lnRef>
+          <a:fillRef idx="0">
+            <a:schemeClr val="dk1"/>
+          </a:fillRef>
+          <a:effectRef idx="0">
+            <a:schemeClr val="dk1"/>
+          </a:effectRef>
+          <a:fontRef idx="minor">
+            <a:schemeClr val="tx1"/>
+          </a:fontRef>
+        </p:style>
+      </p:cxnSp>
+      <p:sp>
+        <p:nvSpPr>
+          <p:cNvPr id="5" name="Subtitle 2">
+            <a:extLst>
+              <a:ext uri="{FF2B5EF4-FFF2-40B4-BE49-F238E27FC236}">
+                <a16:creationId xmlns:a16="http://schemas.microsoft.com/office/drawing/2014/main" id="{182C5FB9-BCB1-DCBC-5703-59F878360F7C}"/>
               </a:ext>
             </a:extLst>
           </p:cNvPr>
@@ -5110,7 +5597,7 @@
         <p:spPr>
           <a:xfrm>
             <a:off x="131311" y="1061502"/>
-            <a:ext cx="4986874" cy="1484818"/>
+            <a:ext cx="5197360" cy="1484818"/>
           </a:xfrm>
           <a:prstGeom prst="rect">
             <a:avLst/>
@@ -5288,21 +5775,21 @@
             <a:pPr algn="l"/>
             <a:r>
               <a:rPr lang="en-GB" sz="2800" dirty="0"/>
-              <a:t>Scott McAllister</a:t>
+              <a:t>Recast software</a:t>
             </a:r>
           </a:p>
           <a:p>
             <a:pPr algn="l"/>
             <a:r>
               <a:rPr lang="en-GB" sz="2800" dirty="0"/>
-              <a:t>Engineer @ Patch My PC</a:t>
+              <a:t>Empowering IT at Every Endpoint</a:t>
             </a:r>
           </a:p>
           <a:p>
             <a:pPr algn="l"/>
             <a:r>
               <a:rPr lang="en-GB" sz="2800" dirty="0"/>
-              <a:t>        @scotscottmca</a:t>
+              <a:t>        @RecastSoftware</a:t>
             </a:r>
           </a:p>
         </p:txBody>
@@ -5312,43 +5799,7 @@
           <p:cNvPr id="7" name="Picture 6" descr="A white cloud in the sky&#10;&#10;Description automatically generated with low confidence">
             <a:extLst>
               <a:ext uri="{FF2B5EF4-FFF2-40B4-BE49-F238E27FC236}">
-                <a16:creationId xmlns:a16="http://schemas.microsoft.com/office/drawing/2014/main" id="{59723FDB-D5DE-974E-0008-A9011E88150D}"/>
-              </a:ext>
-            </a:extLst>
-          </p:cNvPr>
-          <p:cNvPicPr>
-            <a:picLocks noChangeAspect="1"/>
-          </p:cNvPicPr>
-          <p:nvPr/>
-        </p:nvPicPr>
-        <p:blipFill>
-          <a:blip r:embed="rId3">
-            <a:extLst>
-              <a:ext uri="{28A0092B-C50C-407E-A947-70E740481C1C}">
-                <a14:useLocalDpi xmlns:a14="http://schemas.microsoft.com/office/drawing/2010/main" val="0"/>
-              </a:ext>
-            </a:extLst>
-          </a:blip>
-          <a:stretch>
-            <a:fillRect/>
-          </a:stretch>
-        </p:blipFill>
-        <p:spPr>
-          <a:xfrm>
-            <a:off x="237289" y="1964066"/>
-            <a:ext cx="577614" cy="497291"/>
-          </a:xfrm>
-          <a:prstGeom prst="rect">
-            <a:avLst/>
-          </a:prstGeom>
-        </p:spPr>
-      </p:pic>
-      <p:pic>
-        <p:nvPicPr>
-          <p:cNvPr id="12" name="Picture 11" descr="A cityscape at night&#10;&#10;Description automatically generated with low confidence">
-            <a:extLst>
-              <a:ext uri="{FF2B5EF4-FFF2-40B4-BE49-F238E27FC236}">
-                <a16:creationId xmlns:a16="http://schemas.microsoft.com/office/drawing/2014/main" id="{BD4578E5-D82C-144A-CCAE-9BE91A5BCFC5}"/>
+                <a16:creationId xmlns:a16="http://schemas.microsoft.com/office/drawing/2014/main" id="{658E28D1-53FC-733F-B187-9CCBB58A5DB5}"/>
               </a:ext>
             </a:extLst>
           </p:cNvPr>
@@ -5371,109 +5822,54 @@
         </p:blipFill>
         <p:spPr>
           <a:xfrm>
-            <a:off x="0" y="3956950"/>
-            <a:ext cx="12192000" cy="3131820"/>
+            <a:off x="237289" y="1964066"/>
+            <a:ext cx="577614" cy="497291"/>
           </a:xfrm>
           <a:prstGeom prst="rect">
             <a:avLst/>
           </a:prstGeom>
         </p:spPr>
       </p:pic>
-      <p:cxnSp>
-        <p:nvCxnSpPr>
-          <p:cNvPr id="20" name="Straight Connector 19">
-            <a:extLst>
-              <a:ext uri="{FF2B5EF4-FFF2-40B4-BE49-F238E27FC236}">
-                <a16:creationId xmlns:a16="http://schemas.microsoft.com/office/drawing/2014/main" id="{9813FB3C-C48F-1CA3-387E-20322971C1EA}"/>
-              </a:ext>
-            </a:extLst>
-          </p:cNvPr>
-          <p:cNvCxnSpPr/>
+      <p:pic>
+        <p:nvPicPr>
+          <p:cNvPr id="6" name="Picture 5">
+            <a:extLst>
+              <a:ext uri="{FF2B5EF4-FFF2-40B4-BE49-F238E27FC236}">
+                <a16:creationId xmlns:a16="http://schemas.microsoft.com/office/drawing/2014/main" id="{9C77DB8F-FB96-92BD-2D45-C1C7B9050D97}"/>
+              </a:ext>
+            </a:extLst>
+          </p:cNvPr>
+          <p:cNvPicPr>
+            <a:picLocks noChangeAspect="1"/>
+          </p:cNvPicPr>
           <p:nvPr/>
-        </p:nvCxnSpPr>
-        <p:spPr>
-          <a:xfrm flipV="1">
-            <a:off x="131311" y="874355"/>
-            <a:ext cx="11755889" cy="11442"/>
-          </a:xfrm>
-          <a:prstGeom prst="line">
-            <a:avLst/>
-          </a:prstGeom>
-          <a:ln w="25400"/>
-        </p:spPr>
-        <p:style>
-          <a:lnRef idx="1">
-            <a:schemeClr val="dk1"/>
-          </a:lnRef>
-          <a:fillRef idx="0">
-            <a:schemeClr val="dk1"/>
-          </a:fillRef>
-          <a:effectRef idx="0">
-            <a:schemeClr val="dk1"/>
-          </a:effectRef>
-          <a:fontRef idx="minor">
-            <a:schemeClr val="tx1"/>
-          </a:fontRef>
-        </p:style>
-      </p:cxnSp>
-      <p:sp>
-        <p:nvSpPr>
-          <p:cNvPr id="31" name="Title 1">
-            <a:extLst>
-              <a:ext uri="{FF2B5EF4-FFF2-40B4-BE49-F238E27FC236}">
-                <a16:creationId xmlns:a16="http://schemas.microsoft.com/office/drawing/2014/main" id="{B62C039C-8FDF-7581-7C55-4E30E0C7A1D8}"/>
-              </a:ext>
-            </a:extLst>
-          </p:cNvPr>
-          <p:cNvSpPr txBox="1">
-            <a:spLocks/>
-          </p:cNvSpPr>
-          <p:nvPr/>
-        </p:nvSpPr>
-        <p:spPr>
-          <a:xfrm>
-            <a:off x="-924232" y="31563"/>
-            <a:ext cx="3177209" cy="944976"/>
+        </p:nvPicPr>
+        <p:blipFill>
+          <a:blip r:embed="rId5">
+            <a:extLst>
+              <a:ext uri="{28A0092B-C50C-407E-A947-70E740481C1C}">
+                <a14:useLocalDpi xmlns:a14="http://schemas.microsoft.com/office/drawing/2010/main" val="0"/>
+              </a:ext>
+            </a:extLst>
+          </a:blip>
+          <a:stretch>
+            <a:fillRect/>
+          </a:stretch>
+        </p:blipFill>
+        <p:spPr>
+          <a:xfrm>
+            <a:off x="10496412" y="-138272"/>
+            <a:ext cx="1834539" cy="1834539"/>
           </a:xfrm>
           <a:prstGeom prst="rect">
             <a:avLst/>
           </a:prstGeom>
         </p:spPr>
-        <p:txBody>
-          <a:bodyPr vert="horz" lIns="91440" tIns="45720" rIns="91440" bIns="45720" rtlCol="0" anchor="b">
-            <a:normAutofit/>
-          </a:bodyPr>
-          <a:lstStyle>
-            <a:lvl1pPr algn="ctr" defTabSz="914400" rtl="0" eaLnBrk="1" latinLnBrk="0" hangingPunct="1">
-              <a:lnSpc>
-                <a:spcPct val="90000"/>
-              </a:lnSpc>
-              <a:spcBef>
-                <a:spcPct val="0"/>
-              </a:spcBef>
-              <a:buNone/>
-              <a:defRPr sz="6000" kern="1200">
-                <a:solidFill>
-                  <a:schemeClr val="tx1"/>
-                </a:solidFill>
-                <a:latin typeface="+mj-lt"/>
-                <a:ea typeface="+mj-ea"/>
-                <a:cs typeface="+mj-cs"/>
-              </a:defRPr>
-            </a:lvl1pPr>
-          </a:lstStyle>
-          <a:p>
-            <a:r>
-              <a:rPr lang="en-GB" dirty="0"/>
-              <a:t>Me</a:t>
-            </a:r>
-          </a:p>
-        </p:txBody>
-      </p:sp>
+      </p:pic>
     </p:spTree>
     <p:extLst>
       <p:ext uri="{BB962C8B-B14F-4D97-AF65-F5344CB8AC3E}">
-        <p14:creationId xmlns:p14="http://schemas.microsoft.com/office/powerpoint/2010/main" val="2663313283"/>
+        <p14:creationId xmlns:p14="http://schemas.microsoft.com/office/powerpoint/2010/main" val="1640664184"/>
       </p:ext>
     </p:extLst>
   </p:cSld>
@@ -5502,10 +5898,10 @@
       </p:grpSpPr>
       <p:pic>
         <p:nvPicPr>
-          <p:cNvPr id="4" name="Picture 3">
-            <a:extLst>
-              <a:ext uri="{FF2B5EF4-FFF2-40B4-BE49-F238E27FC236}">
-                <a16:creationId xmlns:a16="http://schemas.microsoft.com/office/drawing/2014/main" id="{C0686241-19E0-A641-C3ED-7A63DE0D069F}"/>
+          <p:cNvPr id="9" name="Picture 8">
+            <a:extLst>
+              <a:ext uri="{FF2B5EF4-FFF2-40B4-BE49-F238E27FC236}">
+                <a16:creationId xmlns:a16="http://schemas.microsoft.com/office/drawing/2014/main" id="{8C7EB8D0-925A-6E3F-671E-2264B0BA3C58}"/>
               </a:ext>
             </a:extLst>
           </p:cNvPr>
@@ -5527,7 +5923,7 @@
         </p:blipFill>
         <p:spPr>
           <a:xfrm>
-            <a:off x="2137884" y="2096640"/>
+            <a:off x="2437546" y="2230738"/>
             <a:ext cx="3020079" cy="3020079"/>
           </a:xfrm>
           <a:prstGeom prst="ellipse">
@@ -5565,7 +5961,7 @@
           <a:p>
             <a:r>
               <a:rPr lang="en-GB" dirty="0"/>
-              <a:t>Session 1</a:t>
+              <a:t>Session 2</a:t>
             </a:r>
           </a:p>
         </p:txBody>
@@ -5716,12 +6112,84 @@
           </a:fontRef>
         </p:style>
       </p:cxnSp>
+      <p:pic>
+        <p:nvPicPr>
+          <p:cNvPr id="7" name="Picture 6" descr="A white cloud in the sky&#10;&#10;Description automatically generated with low confidence">
+            <a:extLst>
+              <a:ext uri="{FF2B5EF4-FFF2-40B4-BE49-F238E27FC236}">
+                <a16:creationId xmlns:a16="http://schemas.microsoft.com/office/drawing/2014/main" id="{BF8110C9-85E2-7598-0474-9F0ACCCE2C40}"/>
+              </a:ext>
+            </a:extLst>
+          </p:cNvPr>
+          <p:cNvPicPr>
+            <a:picLocks noChangeAspect="1"/>
+          </p:cNvPicPr>
+          <p:nvPr/>
+        </p:nvPicPr>
+        <p:blipFill>
+          <a:blip r:embed="rId4">
+            <a:extLst>
+              <a:ext uri="{28A0092B-C50C-407E-A947-70E740481C1C}">
+                <a14:useLocalDpi xmlns:a14="http://schemas.microsoft.com/office/drawing/2010/main" val="0"/>
+              </a:ext>
+            </a:extLst>
+          </a:blip>
+          <a:stretch>
+            <a:fillRect/>
+          </a:stretch>
+        </p:blipFill>
+        <p:spPr>
+          <a:xfrm>
+            <a:off x="215616" y="2064449"/>
+            <a:ext cx="577614" cy="497291"/>
+          </a:xfrm>
+          <a:prstGeom prst="rect">
+            <a:avLst/>
+          </a:prstGeom>
+        </p:spPr>
+      </p:pic>
+      <p:sp>
+        <p:nvSpPr>
+          <p:cNvPr id="12" name="TextBox 11">
+            <a:extLst>
+              <a:ext uri="{FF2B5EF4-FFF2-40B4-BE49-F238E27FC236}">
+                <a16:creationId xmlns:a16="http://schemas.microsoft.com/office/drawing/2014/main" id="{0A8AF8A5-F408-55BE-030C-228DC489AB45}"/>
+              </a:ext>
+            </a:extLst>
+          </p:cNvPr>
+          <p:cNvSpPr txBox="1"/>
+          <p:nvPr/>
+        </p:nvSpPr>
+        <p:spPr>
+          <a:xfrm>
+            <a:off x="6603641" y="2852340"/>
+            <a:ext cx="4990743" cy="1323439"/>
+          </a:xfrm>
+          <a:prstGeom prst="rect">
+            <a:avLst/>
+          </a:prstGeom>
+          <a:noFill/>
+        </p:spPr>
+        <p:txBody>
+          <a:bodyPr wrap="square">
+            <a:spAutoFit/>
+          </a:bodyPr>
+          <a:lstStyle/>
+          <a:p>
+            <a:r>
+              <a:rPr lang="en-GB" sz="4000"/>
+              <a:t>We SUSpect your updates suck!</a:t>
+            </a:r>
+            <a:endParaRPr lang="en-GB" sz="4000" dirty="0"/>
+          </a:p>
+        </p:txBody>
+      </p:sp>
       <p:sp>
         <p:nvSpPr>
           <p:cNvPr id="5" name="Subtitle 2">
             <a:extLst>
               <a:ext uri="{FF2B5EF4-FFF2-40B4-BE49-F238E27FC236}">
-                <a16:creationId xmlns:a16="http://schemas.microsoft.com/office/drawing/2014/main" id="{182C5FB9-BCB1-DCBC-5703-59F878360F7C}"/>
+                <a16:creationId xmlns:a16="http://schemas.microsoft.com/office/drawing/2014/main" id="{058B7A75-58F5-65F6-0C7A-5033959A83FD}"/>
               </a:ext>
             </a:extLst>
           </p:cNvPr>
@@ -5732,8 +6200,8 @@
         </p:nvSpPr>
         <p:spPr>
           <a:xfrm>
-            <a:off x="131311" y="1061502"/>
-            <a:ext cx="5197360" cy="1484818"/>
+            <a:off x="135825" y="1171982"/>
+            <a:ext cx="4986874" cy="1484818"/>
           </a:xfrm>
           <a:prstGeom prst="rect">
             <a:avLst/>
@@ -5911,31 +6379,31 @@
             <a:pPr algn="l"/>
             <a:r>
               <a:rPr lang="en-GB" sz="2800" dirty="0"/>
-              <a:t>Recast software</a:t>
+              <a:t>Scott McAllister</a:t>
             </a:r>
           </a:p>
           <a:p>
             <a:pPr algn="l"/>
             <a:r>
               <a:rPr lang="en-GB" sz="2800" dirty="0"/>
-              <a:t>Empowering IT at Every Endpoint</a:t>
+              <a:t>Engineer @ Patch My PC</a:t>
             </a:r>
           </a:p>
           <a:p>
             <a:pPr algn="l"/>
             <a:r>
               <a:rPr lang="en-GB" sz="2800" dirty="0"/>
-              <a:t>        @RecastSoftware</a:t>
+              <a:t>        @scotscottmca</a:t>
             </a:r>
           </a:p>
         </p:txBody>
       </p:sp>
       <p:pic>
         <p:nvPicPr>
-          <p:cNvPr id="7" name="Picture 6" descr="A white cloud in the sky&#10;&#10;Description automatically generated with low confidence">
-            <a:extLst>
-              <a:ext uri="{FF2B5EF4-FFF2-40B4-BE49-F238E27FC236}">
-                <a16:creationId xmlns:a16="http://schemas.microsoft.com/office/drawing/2014/main" id="{658E28D1-53FC-733F-B187-9CCBB58A5DB5}"/>
+          <p:cNvPr id="4" name="Picture 3">
+            <a:extLst>
+              <a:ext uri="{FF2B5EF4-FFF2-40B4-BE49-F238E27FC236}">
+                <a16:creationId xmlns:a16="http://schemas.microsoft.com/office/drawing/2014/main" id="{5FD277DA-C8B8-4470-B773-31F96449975B}"/>
               </a:ext>
             </a:extLst>
           </p:cNvPr>
@@ -5945,7 +6413,7 @@
           <p:nvPr/>
         </p:nvPicPr>
         <p:blipFill>
-          <a:blip r:embed="rId4">
+          <a:blip r:embed="rId5">
             <a:extLst>
               <a:ext uri="{28A0092B-C50C-407E-A947-70E740481C1C}">
                 <a14:useLocalDpi xmlns:a14="http://schemas.microsoft.com/office/drawing/2010/main" val="0"/>
@@ -5958,546 +6426,14 @@
         </p:blipFill>
         <p:spPr>
           <a:xfrm>
-            <a:off x="237289" y="1964066"/>
-            <a:ext cx="577614" cy="497291"/>
+            <a:off x="10496412" y="-138272"/>
+            <a:ext cx="1834539" cy="1834539"/>
           </a:xfrm>
           <a:prstGeom prst="rect">
             <a:avLst/>
           </a:prstGeom>
         </p:spPr>
       </p:pic>
-    </p:spTree>
-    <p:extLst>
-      <p:ext uri="{BB962C8B-B14F-4D97-AF65-F5344CB8AC3E}">
-        <p14:creationId xmlns:p14="http://schemas.microsoft.com/office/powerpoint/2010/main" val="1640664184"/>
-      </p:ext>
-    </p:extLst>
-  </p:cSld>
-  <p:clrMapOvr>
-    <a:masterClrMapping/>
-  </p:clrMapOvr>
-</p:sld>
-</file>
-
-<file path=ppt/slides/slide9.xml><?xml version="1.0" encoding="utf-8"?>
-<p:sld xmlns:a="http://schemas.openxmlformats.org/drawingml/2006/main" xmlns:r="http://schemas.openxmlformats.org/officeDocument/2006/relationships" xmlns:p="http://schemas.openxmlformats.org/presentationml/2006/main">
-  <p:cSld>
-    <p:spTree>
-      <p:nvGrpSpPr>
-        <p:cNvPr id="1" name=""/>
-        <p:cNvGrpSpPr/>
-        <p:nvPr/>
-      </p:nvGrpSpPr>
-      <p:grpSpPr>
-        <a:xfrm>
-          <a:off x="0" y="0"/>
-          <a:ext cx="0" cy="0"/>
-          <a:chOff x="0" y="0"/>
-          <a:chExt cx="0" cy="0"/>
-        </a:xfrm>
-      </p:grpSpPr>
-      <p:pic>
-        <p:nvPicPr>
-          <p:cNvPr id="9" name="Picture 8">
-            <a:extLst>
-              <a:ext uri="{FF2B5EF4-FFF2-40B4-BE49-F238E27FC236}">
-                <a16:creationId xmlns:a16="http://schemas.microsoft.com/office/drawing/2014/main" id="{8C7EB8D0-925A-6E3F-671E-2264B0BA3C58}"/>
-              </a:ext>
-            </a:extLst>
-          </p:cNvPr>
-          <p:cNvPicPr>
-            <a:picLocks noChangeAspect="1"/>
-          </p:cNvPicPr>
-          <p:nvPr/>
-        </p:nvPicPr>
-        <p:blipFill>
-          <a:blip r:embed="rId2">
-            <a:extLst>
-              <a:ext uri="{28A0092B-C50C-407E-A947-70E740481C1C}">
-                <a14:useLocalDpi xmlns:a14="http://schemas.microsoft.com/office/drawing/2010/main" val="0"/>
-              </a:ext>
-            </a:extLst>
-          </a:blip>
-          <a:srcRect/>
-          <a:stretch/>
-        </p:blipFill>
-        <p:spPr>
-          <a:xfrm>
-            <a:off x="2437546" y="2230738"/>
-            <a:ext cx="3020079" cy="3020079"/>
-          </a:xfrm>
-          <a:prstGeom prst="ellipse">
-            <a:avLst/>
-          </a:prstGeom>
-        </p:spPr>
-      </p:pic>
-      <p:sp>
-        <p:nvSpPr>
-          <p:cNvPr id="2" name="Title 1">
-            <a:extLst>
-              <a:ext uri="{FF2B5EF4-FFF2-40B4-BE49-F238E27FC236}">
-                <a16:creationId xmlns:a16="http://schemas.microsoft.com/office/drawing/2014/main" id="{7D8FF21A-6765-249B-8C49-13E398B0EDED}"/>
-              </a:ext>
-            </a:extLst>
-          </p:cNvPr>
-          <p:cNvSpPr>
-            <a:spLocks noGrp="1"/>
-          </p:cNvSpPr>
-          <p:nvPr>
-            <p:ph type="ctrTitle"/>
-          </p:nvPr>
-        </p:nvSpPr>
-        <p:spPr>
-          <a:xfrm>
-            <a:off x="0" y="28674"/>
-            <a:ext cx="2952750" cy="944976"/>
-          </a:xfrm>
-        </p:spPr>
-        <p:txBody>
-          <a:bodyPr>
-            <a:normAutofit fontScale="90000"/>
-          </a:bodyPr>
-          <a:lstStyle/>
-          <a:p>
-            <a:r>
-              <a:rPr lang="en-GB" dirty="0"/>
-              <a:t>Session 2</a:t>
-            </a:r>
-          </a:p>
-        </p:txBody>
-      </p:sp>
-      <p:pic>
-        <p:nvPicPr>
-          <p:cNvPr id="10" name="Picture 9" descr="A cityscape at night&#10;&#10;Description automatically generated with low confidence">
-            <a:extLst>
-              <a:ext uri="{FF2B5EF4-FFF2-40B4-BE49-F238E27FC236}">
-                <a16:creationId xmlns:a16="http://schemas.microsoft.com/office/drawing/2014/main" id="{83D814D0-28DE-F058-782E-49E8DB205115}"/>
-              </a:ext>
-            </a:extLst>
-          </p:cNvPr>
-          <p:cNvPicPr>
-            <a:picLocks noChangeAspect="1"/>
-          </p:cNvPicPr>
-          <p:nvPr/>
-        </p:nvPicPr>
-        <p:blipFill>
-          <a:blip r:embed="rId3">
-            <a:extLst>
-              <a:ext uri="{28A0092B-C50C-407E-A947-70E740481C1C}">
-                <a14:useLocalDpi xmlns:a14="http://schemas.microsoft.com/office/drawing/2010/main" val="0"/>
-              </a:ext>
-            </a:extLst>
-          </a:blip>
-          <a:stretch>
-            <a:fillRect/>
-          </a:stretch>
-        </p:blipFill>
-        <p:spPr>
-          <a:xfrm>
-            <a:off x="0" y="3956950"/>
-            <a:ext cx="12192000" cy="3131820"/>
-          </a:xfrm>
-          <a:prstGeom prst="rect">
-            <a:avLst/>
-          </a:prstGeom>
-        </p:spPr>
-      </p:pic>
-      <p:cxnSp>
-        <p:nvCxnSpPr>
-          <p:cNvPr id="3" name="Straight Connector 2">
-            <a:extLst>
-              <a:ext uri="{FF2B5EF4-FFF2-40B4-BE49-F238E27FC236}">
-                <a16:creationId xmlns:a16="http://schemas.microsoft.com/office/drawing/2014/main" id="{02AD35D9-7CEA-A835-A034-D2962D1EC856}"/>
-              </a:ext>
-            </a:extLst>
-          </p:cNvPr>
-          <p:cNvCxnSpPr/>
-          <p:nvPr/>
-        </p:nvCxnSpPr>
-        <p:spPr>
-          <a:xfrm flipV="1">
-            <a:off x="131311" y="874355"/>
-            <a:ext cx="11755889" cy="11442"/>
-          </a:xfrm>
-          <a:prstGeom prst="line">
-            <a:avLst/>
-          </a:prstGeom>
-          <a:ln w="25400"/>
-        </p:spPr>
-        <p:style>
-          <a:lnRef idx="1">
-            <a:schemeClr val="dk1"/>
-          </a:lnRef>
-          <a:fillRef idx="0">
-            <a:schemeClr val="dk1"/>
-          </a:fillRef>
-          <a:effectRef idx="0">
-            <a:schemeClr val="dk1"/>
-          </a:effectRef>
-          <a:fontRef idx="minor">
-            <a:schemeClr val="tx1"/>
-          </a:fontRef>
-        </p:style>
-      </p:cxnSp>
-      <p:pic>
-        <p:nvPicPr>
-          <p:cNvPr id="14" name="Picture 13" descr="A cityscape at night&#10;&#10;Description automatically generated with low confidence">
-            <a:extLst>
-              <a:ext uri="{FF2B5EF4-FFF2-40B4-BE49-F238E27FC236}">
-                <a16:creationId xmlns:a16="http://schemas.microsoft.com/office/drawing/2014/main" id="{44ED5A40-3BD2-A5AA-DA8A-912B4F2F3DED}"/>
-              </a:ext>
-            </a:extLst>
-          </p:cNvPr>
-          <p:cNvPicPr>
-            <a:picLocks noChangeAspect="1"/>
-          </p:cNvPicPr>
-          <p:nvPr/>
-        </p:nvPicPr>
-        <p:blipFill>
-          <a:blip r:embed="rId3">
-            <a:extLst>
-              <a:ext uri="{28A0092B-C50C-407E-A947-70E740481C1C}">
-                <a14:useLocalDpi xmlns:a14="http://schemas.microsoft.com/office/drawing/2010/main" val="0"/>
-              </a:ext>
-            </a:extLst>
-          </a:blip>
-          <a:stretch>
-            <a:fillRect/>
-          </a:stretch>
-        </p:blipFill>
-        <p:spPr>
-          <a:xfrm>
-            <a:off x="0" y="3956950"/>
-            <a:ext cx="12192000" cy="3131820"/>
-          </a:xfrm>
-          <a:prstGeom prst="rect">
-            <a:avLst/>
-          </a:prstGeom>
-        </p:spPr>
-      </p:pic>
-      <p:cxnSp>
-        <p:nvCxnSpPr>
-          <p:cNvPr id="15" name="Straight Connector 14">
-            <a:extLst>
-              <a:ext uri="{FF2B5EF4-FFF2-40B4-BE49-F238E27FC236}">
-                <a16:creationId xmlns:a16="http://schemas.microsoft.com/office/drawing/2014/main" id="{C783110D-04A3-15F5-CDDB-808E29823E34}"/>
-              </a:ext>
-            </a:extLst>
-          </p:cNvPr>
-          <p:cNvCxnSpPr/>
-          <p:nvPr/>
-        </p:nvCxnSpPr>
-        <p:spPr>
-          <a:xfrm flipV="1">
-            <a:off x="131311" y="874355"/>
-            <a:ext cx="11755889" cy="11442"/>
-          </a:xfrm>
-          <a:prstGeom prst="line">
-            <a:avLst/>
-          </a:prstGeom>
-          <a:ln w="25400"/>
-        </p:spPr>
-        <p:style>
-          <a:lnRef idx="1">
-            <a:schemeClr val="dk1"/>
-          </a:lnRef>
-          <a:fillRef idx="0">
-            <a:schemeClr val="dk1"/>
-          </a:fillRef>
-          <a:effectRef idx="0">
-            <a:schemeClr val="dk1"/>
-          </a:effectRef>
-          <a:fontRef idx="minor">
-            <a:schemeClr val="tx1"/>
-          </a:fontRef>
-        </p:style>
-      </p:cxnSp>
-      <p:pic>
-        <p:nvPicPr>
-          <p:cNvPr id="7" name="Picture 6" descr="A white cloud in the sky&#10;&#10;Description automatically generated with low confidence">
-            <a:extLst>
-              <a:ext uri="{FF2B5EF4-FFF2-40B4-BE49-F238E27FC236}">
-                <a16:creationId xmlns:a16="http://schemas.microsoft.com/office/drawing/2014/main" id="{BF8110C9-85E2-7598-0474-9F0ACCCE2C40}"/>
-              </a:ext>
-            </a:extLst>
-          </p:cNvPr>
-          <p:cNvPicPr>
-            <a:picLocks noChangeAspect="1"/>
-          </p:cNvPicPr>
-          <p:nvPr/>
-        </p:nvPicPr>
-        <p:blipFill>
-          <a:blip r:embed="rId4">
-            <a:extLst>
-              <a:ext uri="{28A0092B-C50C-407E-A947-70E740481C1C}">
-                <a14:useLocalDpi xmlns:a14="http://schemas.microsoft.com/office/drawing/2010/main" val="0"/>
-              </a:ext>
-            </a:extLst>
-          </a:blip>
-          <a:stretch>
-            <a:fillRect/>
-          </a:stretch>
-        </p:blipFill>
-        <p:spPr>
-          <a:xfrm>
-            <a:off x="215616" y="2064449"/>
-            <a:ext cx="577614" cy="497291"/>
-          </a:xfrm>
-          <a:prstGeom prst="rect">
-            <a:avLst/>
-          </a:prstGeom>
-        </p:spPr>
-      </p:pic>
-      <p:sp>
-        <p:nvSpPr>
-          <p:cNvPr id="12" name="TextBox 11">
-            <a:extLst>
-              <a:ext uri="{FF2B5EF4-FFF2-40B4-BE49-F238E27FC236}">
-                <a16:creationId xmlns:a16="http://schemas.microsoft.com/office/drawing/2014/main" id="{0A8AF8A5-F408-55BE-030C-228DC489AB45}"/>
-              </a:ext>
-            </a:extLst>
-          </p:cNvPr>
-          <p:cNvSpPr txBox="1"/>
-          <p:nvPr/>
-        </p:nvSpPr>
-        <p:spPr>
-          <a:xfrm>
-            <a:off x="6603641" y="2852340"/>
-            <a:ext cx="4990743" cy="1323439"/>
-          </a:xfrm>
-          <a:prstGeom prst="rect">
-            <a:avLst/>
-          </a:prstGeom>
-          <a:noFill/>
-        </p:spPr>
-        <p:txBody>
-          <a:bodyPr wrap="square">
-            <a:spAutoFit/>
-          </a:bodyPr>
-          <a:lstStyle/>
-          <a:p>
-            <a:r>
-              <a:rPr lang="en-GB" sz="4000"/>
-              <a:t>We SUSpect your updates suck!</a:t>
-            </a:r>
-            <a:endParaRPr lang="en-GB" sz="4000" dirty="0"/>
-          </a:p>
-        </p:txBody>
-      </p:sp>
-      <p:sp>
-        <p:nvSpPr>
-          <p:cNvPr id="5" name="Subtitle 2">
-            <a:extLst>
-              <a:ext uri="{FF2B5EF4-FFF2-40B4-BE49-F238E27FC236}">
-                <a16:creationId xmlns:a16="http://schemas.microsoft.com/office/drawing/2014/main" id="{058B7A75-58F5-65F6-0C7A-5033959A83FD}"/>
-              </a:ext>
-            </a:extLst>
-          </p:cNvPr>
-          <p:cNvSpPr txBox="1">
-            <a:spLocks/>
-          </p:cNvSpPr>
-          <p:nvPr/>
-        </p:nvSpPr>
-        <p:spPr>
-          <a:xfrm>
-            <a:off x="135825" y="1171982"/>
-            <a:ext cx="4986874" cy="1484818"/>
-          </a:xfrm>
-          <a:prstGeom prst="rect">
-            <a:avLst/>
-          </a:prstGeom>
-        </p:spPr>
-        <p:txBody>
-          <a:bodyPr vert="horz" lIns="91440" tIns="45720" rIns="91440" bIns="45720" rtlCol="0">
-            <a:normAutofit lnSpcReduction="10000"/>
-          </a:bodyPr>
-          <a:lstStyle>
-            <a:lvl1pPr marL="0" indent="0" algn="ctr" defTabSz="914400" rtl="0" eaLnBrk="1" latinLnBrk="0" hangingPunct="1">
-              <a:lnSpc>
-                <a:spcPct val="90000"/>
-              </a:lnSpc>
-              <a:spcBef>
-                <a:spcPts val="1000"/>
-              </a:spcBef>
-              <a:buFont typeface="Arial" panose="020B0604020202020204" pitchFamily="34" charset="0"/>
-              <a:buNone/>
-              <a:defRPr sz="2400" kern="1200">
-                <a:solidFill>
-                  <a:schemeClr val="tx1"/>
-                </a:solidFill>
-                <a:latin typeface="+mn-lt"/>
-                <a:ea typeface="+mn-ea"/>
-                <a:cs typeface="+mn-cs"/>
-              </a:defRPr>
-            </a:lvl1pPr>
-            <a:lvl2pPr marL="457200" indent="0" algn="ctr" defTabSz="914400" rtl="0" eaLnBrk="1" latinLnBrk="0" hangingPunct="1">
-              <a:lnSpc>
-                <a:spcPct val="90000"/>
-              </a:lnSpc>
-              <a:spcBef>
-                <a:spcPts val="500"/>
-              </a:spcBef>
-              <a:buFont typeface="Arial" panose="020B0604020202020204" pitchFamily="34" charset="0"/>
-              <a:buNone/>
-              <a:defRPr sz="2000" kern="1200">
-                <a:solidFill>
-                  <a:schemeClr val="tx1"/>
-                </a:solidFill>
-                <a:latin typeface="+mn-lt"/>
-                <a:ea typeface="+mn-ea"/>
-                <a:cs typeface="+mn-cs"/>
-              </a:defRPr>
-            </a:lvl2pPr>
-            <a:lvl3pPr marL="914400" indent="0" algn="ctr" defTabSz="914400" rtl="0" eaLnBrk="1" latinLnBrk="0" hangingPunct="1">
-              <a:lnSpc>
-                <a:spcPct val="90000"/>
-              </a:lnSpc>
-              <a:spcBef>
-                <a:spcPts val="500"/>
-              </a:spcBef>
-              <a:buFont typeface="Arial" panose="020B0604020202020204" pitchFamily="34" charset="0"/>
-              <a:buNone/>
-              <a:defRPr sz="1800" kern="1200">
-                <a:solidFill>
-                  <a:schemeClr val="tx1"/>
-                </a:solidFill>
-                <a:latin typeface="+mn-lt"/>
-                <a:ea typeface="+mn-ea"/>
-                <a:cs typeface="+mn-cs"/>
-              </a:defRPr>
-            </a:lvl3pPr>
-            <a:lvl4pPr marL="1371600" indent="0" algn="ctr" defTabSz="914400" rtl="0" eaLnBrk="1" latinLnBrk="0" hangingPunct="1">
-              <a:lnSpc>
-                <a:spcPct val="90000"/>
-              </a:lnSpc>
-              <a:spcBef>
-                <a:spcPts val="500"/>
-              </a:spcBef>
-              <a:buFont typeface="Arial" panose="020B0604020202020204" pitchFamily="34" charset="0"/>
-              <a:buNone/>
-              <a:defRPr sz="1600" kern="1200">
-                <a:solidFill>
-                  <a:schemeClr val="tx1"/>
-                </a:solidFill>
-                <a:latin typeface="+mn-lt"/>
-                <a:ea typeface="+mn-ea"/>
-                <a:cs typeface="+mn-cs"/>
-              </a:defRPr>
-            </a:lvl4pPr>
-            <a:lvl5pPr marL="1828800" indent="0" algn="ctr" defTabSz="914400" rtl="0" eaLnBrk="1" latinLnBrk="0" hangingPunct="1">
-              <a:lnSpc>
-                <a:spcPct val="90000"/>
-              </a:lnSpc>
-              <a:spcBef>
-                <a:spcPts val="500"/>
-              </a:spcBef>
-              <a:buFont typeface="Arial" panose="020B0604020202020204" pitchFamily="34" charset="0"/>
-              <a:buNone/>
-              <a:defRPr sz="1600" kern="1200">
-                <a:solidFill>
-                  <a:schemeClr val="tx1"/>
-                </a:solidFill>
-                <a:latin typeface="+mn-lt"/>
-                <a:ea typeface="+mn-ea"/>
-                <a:cs typeface="+mn-cs"/>
-              </a:defRPr>
-            </a:lvl5pPr>
-            <a:lvl6pPr marL="2286000" indent="0" algn="ctr" defTabSz="914400" rtl="0" eaLnBrk="1" latinLnBrk="0" hangingPunct="1">
-              <a:lnSpc>
-                <a:spcPct val="90000"/>
-              </a:lnSpc>
-              <a:spcBef>
-                <a:spcPts val="500"/>
-              </a:spcBef>
-              <a:buFont typeface="Arial" panose="020B0604020202020204" pitchFamily="34" charset="0"/>
-              <a:buNone/>
-              <a:defRPr sz="1600" kern="1200">
-                <a:solidFill>
-                  <a:schemeClr val="tx1"/>
-                </a:solidFill>
-                <a:latin typeface="+mn-lt"/>
-                <a:ea typeface="+mn-ea"/>
-                <a:cs typeface="+mn-cs"/>
-              </a:defRPr>
-            </a:lvl6pPr>
-            <a:lvl7pPr marL="2743200" indent="0" algn="ctr" defTabSz="914400" rtl="0" eaLnBrk="1" latinLnBrk="0" hangingPunct="1">
-              <a:lnSpc>
-                <a:spcPct val="90000"/>
-              </a:lnSpc>
-              <a:spcBef>
-                <a:spcPts val="500"/>
-              </a:spcBef>
-              <a:buFont typeface="Arial" panose="020B0604020202020204" pitchFamily="34" charset="0"/>
-              <a:buNone/>
-              <a:defRPr sz="1600" kern="1200">
-                <a:solidFill>
-                  <a:schemeClr val="tx1"/>
-                </a:solidFill>
-                <a:latin typeface="+mn-lt"/>
-                <a:ea typeface="+mn-ea"/>
-                <a:cs typeface="+mn-cs"/>
-              </a:defRPr>
-            </a:lvl7pPr>
-            <a:lvl8pPr marL="3200400" indent="0" algn="ctr" defTabSz="914400" rtl="0" eaLnBrk="1" latinLnBrk="0" hangingPunct="1">
-              <a:lnSpc>
-                <a:spcPct val="90000"/>
-              </a:lnSpc>
-              <a:spcBef>
-                <a:spcPts val="500"/>
-              </a:spcBef>
-              <a:buFont typeface="Arial" panose="020B0604020202020204" pitchFamily="34" charset="0"/>
-              <a:buNone/>
-              <a:defRPr sz="1600" kern="1200">
-                <a:solidFill>
-                  <a:schemeClr val="tx1"/>
-                </a:solidFill>
-                <a:latin typeface="+mn-lt"/>
-                <a:ea typeface="+mn-ea"/>
-                <a:cs typeface="+mn-cs"/>
-              </a:defRPr>
-            </a:lvl8pPr>
-            <a:lvl9pPr marL="3657600" indent="0" algn="ctr" defTabSz="914400" rtl="0" eaLnBrk="1" latinLnBrk="0" hangingPunct="1">
-              <a:lnSpc>
-                <a:spcPct val="90000"/>
-              </a:lnSpc>
-              <a:spcBef>
-                <a:spcPts val="500"/>
-              </a:spcBef>
-              <a:buFont typeface="Arial" panose="020B0604020202020204" pitchFamily="34" charset="0"/>
-              <a:buNone/>
-              <a:defRPr sz="1600" kern="1200">
-                <a:solidFill>
-                  <a:schemeClr val="tx1"/>
-                </a:solidFill>
-                <a:latin typeface="+mn-lt"/>
-                <a:ea typeface="+mn-ea"/>
-                <a:cs typeface="+mn-cs"/>
-              </a:defRPr>
-            </a:lvl9pPr>
-          </a:lstStyle>
-          <a:p>
-            <a:pPr algn="l"/>
-            <a:r>
-              <a:rPr lang="en-GB" sz="2800" dirty="0"/>
-              <a:t>Scott McAllister</a:t>
-            </a:r>
-          </a:p>
-          <a:p>
-            <a:pPr algn="l"/>
-            <a:r>
-              <a:rPr lang="en-GB" sz="2800" dirty="0"/>
-              <a:t>Engineer @ Patch My PC</a:t>
-            </a:r>
-          </a:p>
-          <a:p>
-            <a:pPr algn="l"/>
-            <a:r>
-              <a:rPr lang="en-GB" sz="2800" dirty="0"/>
-              <a:t>        @scotscottmca</a:t>
-            </a:r>
-          </a:p>
-        </p:txBody>
-      </p:sp>
     </p:spTree>
     <p:extLst>
       <p:ext uri="{BB962C8B-B14F-4D97-AF65-F5344CB8AC3E}">
